--- a/Formatted Slides/Module1_Video1.pptx
+++ b/Formatted Slides/Module1_Video1.pptx
@@ -5,36 +5,45 @@
     <p:sldMasterId id="2147483660" r:id="rId1"/>
   </p:sldMasterIdLst>
   <p:notesMasterIdLst>
-    <p:notesMasterId r:id="rId5"/>
+    <p:notesMasterId r:id="rId14"/>
   </p:notesMasterIdLst>
   <p:sldIdLst>
     <p:sldId id="452" r:id="rId2"/>
-    <p:sldId id="453" r:id="rId3"/>
-    <p:sldId id="444" r:id="rId4"/>
+    <p:sldId id="458" r:id="rId3"/>
+    <p:sldId id="459" r:id="rId4"/>
+    <p:sldId id="454" r:id="rId5"/>
+    <p:sldId id="462" r:id="rId6"/>
+    <p:sldId id="455" r:id="rId7"/>
+    <p:sldId id="464" r:id="rId8"/>
+    <p:sldId id="463" r:id="rId9"/>
+    <p:sldId id="456" r:id="rId10"/>
+    <p:sldId id="460" r:id="rId11"/>
+    <p:sldId id="461" r:id="rId12"/>
+    <p:sldId id="444" r:id="rId13"/>
   </p:sldIdLst>
   <p:sldSz cx="24384000" cy="13716000"/>
   <p:notesSz cx="6858000" cy="9144000"/>
   <p:embeddedFontLst>
     <p:embeddedFont>
       <p:font typeface="Calibri" panose="020F0502020204030204" pitchFamily="34" charset="0"/>
-      <p:regular r:id="rId6"/>
-      <p:bold r:id="rId7"/>
-      <p:italic r:id="rId8"/>
-      <p:boldItalic r:id="rId9"/>
+      <p:regular r:id="rId15"/>
+      <p:bold r:id="rId16"/>
+      <p:italic r:id="rId17"/>
+      <p:boldItalic r:id="rId18"/>
     </p:embeddedFont>
     <p:embeddedFont>
       <p:font typeface="Nunito Sans" pitchFamily="2" charset="0"/>
-      <p:regular r:id="rId10"/>
-      <p:bold r:id="rId11"/>
-      <p:italic r:id="rId12"/>
-      <p:boldItalic r:id="rId13"/>
+      <p:regular r:id="rId19"/>
+      <p:bold r:id="rId20"/>
+      <p:italic r:id="rId21"/>
+      <p:boldItalic r:id="rId22"/>
     </p:embeddedFont>
     <p:embeddedFont>
       <p:font typeface="Nunito Sans SemiBold" pitchFamily="2" charset="0"/>
-      <p:regular r:id="rId14"/>
-      <p:bold r:id="rId15"/>
-      <p:italic r:id="rId16"/>
-      <p:boldItalic r:id="rId17"/>
+      <p:regular r:id="rId23"/>
+      <p:bold r:id="rId24"/>
+      <p:italic r:id="rId25"/>
+      <p:boldItalic r:id="rId26"/>
     </p:embeddedFont>
   </p:embeddedFontLst>
   <p:defaultTextStyle>
@@ -222,7 +231,7 @@
           <a:p>
             <a:fld id="{A1994904-53C7-FE4A-A4F3-9371B9AA3FA4}" type="datetimeFigureOut">
               <a:rPr lang="en-US" smtClean="0"/>
-              <a:t>7/7/2023</a:t>
+              <a:t>7/17/2023</a:t>
             </a:fld>
             <a:endParaRPr lang="en-US"/>
           </a:p>
@@ -638,7 +647,7 @@
           <a:p>
             <a:fld id="{D343CE2E-3DB2-2543-A1CC-255A6E8F42E8}" type="slidenum">
               <a:rPr lang="en-US" smtClean="0"/>
-              <a:t>3</a:t>
+              <a:t>12</a:t>
             </a:fld>
             <a:endParaRPr lang="en-US"/>
           </a:p>
@@ -4032,7 +4041,7 @@
           <a:p>
             <a:r>
               <a:rPr lang="en-US" b="1" dirty="0"/>
-              <a:t>Lesson 0 – Welcome and Overview</a:t>
+              <a:t>Module 1 Lesson 1 – Data Acquisition</a:t>
             </a:r>
           </a:p>
         </p:txBody>
@@ -4141,7 +4150,7 @@
 </p:sld>
 </file>
 
-<file path=ppt/slides/slide2.xml><?xml version="1.0" encoding="utf-8"?>
+<file path=ppt/slides/slide10.xml><?xml version="1.0" encoding="utf-8"?>
 <p:sld xmlns:a="http://schemas.openxmlformats.org/drawingml/2006/main" xmlns:r="http://schemas.openxmlformats.org/officeDocument/2006/relationships" xmlns:p="http://schemas.openxmlformats.org/presentationml/2006/main">
   <p:cSld>
     <p:spTree>
@@ -4163,7 +4172,7 @@
           <p:cNvPr id="2" name="Title 1">
             <a:extLst>
               <a:ext uri="{FF2B5EF4-FFF2-40B4-BE49-F238E27FC236}">
-                <a16:creationId xmlns:a16="http://schemas.microsoft.com/office/drawing/2014/main" id="{DB7EA309-C9D9-2641-9E3E-4E10A3A939FF}"/>
+                <a16:creationId xmlns:a16="http://schemas.microsoft.com/office/drawing/2014/main" id="{90C38D83-EC2A-AA53-C7CC-EF44EC58593E}"/>
               </a:ext>
             </a:extLst>
           </p:cNvPr>
@@ -4181,7 +4190,7 @@
           <a:p>
             <a:r>
               <a:rPr lang="en-US" dirty="0"/>
-              <a:t>TOPICS</a:t>
+              <a:t>RECAP</a:t>
             </a:r>
           </a:p>
         </p:txBody>
@@ -4191,7 +4200,7 @@
           <p:cNvPr id="3" name="Text Placeholder 2">
             <a:extLst>
               <a:ext uri="{FF2B5EF4-FFF2-40B4-BE49-F238E27FC236}">
-                <a16:creationId xmlns:a16="http://schemas.microsoft.com/office/drawing/2014/main" id="{E148928B-5533-1F45-B821-D97852D2A781}"/>
+                <a16:creationId xmlns:a16="http://schemas.microsoft.com/office/drawing/2014/main" id="{3F9E94C0-F48B-4475-AD9A-A74BB2165BD8}"/>
               </a:ext>
             </a:extLst>
           </p:cNvPr>
@@ -4212,8 +4221,8 @@
               <a:buChar char="•"/>
             </a:pPr>
             <a:r>
-              <a:rPr lang="en-US" sz="4400" dirty="0"/>
-              <a:t>Welcome!</a:t>
+              <a:rPr lang="en-US" sz="4000" dirty="0"/>
+              <a:t>In this video, we discussed good practices to follow when searching for and collecting data from open public sources.</a:t>
             </a:r>
           </a:p>
           <a:p>
@@ -4222,8 +4231,8 @@
               <a:buChar char="•"/>
             </a:pPr>
             <a:r>
-              <a:rPr lang="en-US" sz="4400" dirty="0"/>
-              <a:t>Purpose of this video series</a:t>
+              <a:rPr lang="en-US" sz="4000" dirty="0"/>
+              <a:t>We reviewed the data sources and documentation for the MAP dataset as an example to follow when collecting the data for our resource library.</a:t>
             </a:r>
           </a:p>
           <a:p>
@@ -4232,28 +4241,8 @@
               <a:buChar char="•"/>
             </a:pPr>
             <a:r>
-              <a:rPr lang="en-US" sz="4400" dirty="0"/>
-              <a:t>Steps to building a dashboard</a:t>
-            </a:r>
-          </a:p>
-          <a:p>
-            <a:pPr marL="457200" indent="-457200">
-              <a:buFont typeface="Arial" panose="020B0604020202020204" pitchFamily="34" charset="0"/>
-              <a:buChar char="•"/>
-            </a:pPr>
-            <a:r>
-              <a:rPr lang="en-US" sz="4400" dirty="0"/>
-              <a:t>Demo of our mental health dashboard</a:t>
-            </a:r>
-          </a:p>
-          <a:p>
-            <a:pPr marL="457200" indent="-457200">
-              <a:buFont typeface="Arial" panose="020B0604020202020204" pitchFamily="34" charset="0"/>
-              <a:buChar char="•"/>
-            </a:pPr>
-            <a:r>
-              <a:rPr lang="en-US" sz="4400" dirty="0"/>
-              <a:t>Next Steps</a:t>
+              <a:rPr lang="en-US" sz="4000" dirty="0"/>
+              <a:t> We defined geocodes and their uses in data analysis and dashboard building.</a:t>
             </a:r>
           </a:p>
         </p:txBody>
@@ -4261,7 +4250,7 @@
     </p:spTree>
     <p:extLst>
       <p:ext uri="{BB962C8B-B14F-4D97-AF65-F5344CB8AC3E}">
-        <p14:creationId xmlns:p14="http://schemas.microsoft.com/office/powerpoint/2010/main" val="4119661440"/>
+        <p14:creationId xmlns:p14="http://schemas.microsoft.com/office/powerpoint/2010/main" val="3018956360"/>
       </p:ext>
     </p:extLst>
   </p:cSld>
@@ -4271,7 +4260,119 @@
 </p:sld>
 </file>
 
-<file path=ppt/slides/slide3.xml><?xml version="1.0" encoding="utf-8"?>
+<file path=ppt/slides/slide11.xml><?xml version="1.0" encoding="utf-8"?>
+<p:sld xmlns:a="http://schemas.openxmlformats.org/drawingml/2006/main" xmlns:r="http://schemas.openxmlformats.org/officeDocument/2006/relationships" xmlns:p="http://schemas.openxmlformats.org/presentationml/2006/main">
+  <p:cSld>
+    <p:spTree>
+      <p:nvGrpSpPr>
+        <p:cNvPr id="1" name=""/>
+        <p:cNvGrpSpPr/>
+        <p:nvPr/>
+      </p:nvGrpSpPr>
+      <p:grpSpPr>
+        <a:xfrm>
+          <a:off x="0" y="0"/>
+          <a:ext cx="0" cy="0"/>
+          <a:chOff x="0" y="0"/>
+          <a:chExt cx="0" cy="0"/>
+        </a:xfrm>
+      </p:grpSpPr>
+      <p:sp>
+        <p:nvSpPr>
+          <p:cNvPr id="2" name="Title 1">
+            <a:extLst>
+              <a:ext uri="{FF2B5EF4-FFF2-40B4-BE49-F238E27FC236}">
+                <a16:creationId xmlns:a16="http://schemas.microsoft.com/office/drawing/2014/main" id="{7417A3BA-0880-6935-A9AF-820AAC8F19E7}"/>
+              </a:ext>
+            </a:extLst>
+          </p:cNvPr>
+          <p:cNvSpPr>
+            <a:spLocks noGrp="1"/>
+          </p:cNvSpPr>
+          <p:nvPr>
+            <p:ph type="title"/>
+          </p:nvPr>
+        </p:nvSpPr>
+        <p:spPr/>
+        <p:txBody>
+          <a:bodyPr/>
+          <a:lstStyle/>
+          <a:p>
+            <a:r>
+              <a:rPr lang="en-US" dirty="0"/>
+              <a:t>WHAT’S NEXT?</a:t>
+            </a:r>
+          </a:p>
+        </p:txBody>
+      </p:sp>
+      <p:sp>
+        <p:nvSpPr>
+          <p:cNvPr id="3" name="Text Placeholder 2">
+            <a:extLst>
+              <a:ext uri="{FF2B5EF4-FFF2-40B4-BE49-F238E27FC236}">
+                <a16:creationId xmlns:a16="http://schemas.microsoft.com/office/drawing/2014/main" id="{E3F5CE85-01EA-16EC-EFA3-BA4870732E61}"/>
+              </a:ext>
+            </a:extLst>
+          </p:cNvPr>
+          <p:cNvSpPr>
+            <a:spLocks noGrp="1"/>
+          </p:cNvSpPr>
+          <p:nvPr>
+            <p:ph type="body" sz="quarter" idx="10"/>
+          </p:nvPr>
+        </p:nvSpPr>
+        <p:spPr/>
+        <p:txBody>
+          <a:bodyPr/>
+          <a:lstStyle/>
+          <a:p>
+            <a:pPr marL="457200" indent="-457200">
+              <a:buFont typeface="Arial" panose="020B0604020202020204" pitchFamily="34" charset="0"/>
+              <a:buChar char="•"/>
+            </a:pPr>
+            <a:r>
+              <a:rPr lang="en-US" sz="4000" dirty="0"/>
+              <a:t>In the next video, we will apply what we’ve learned to the resource dashboard datasets we introduced in Module 0 Video 2. </a:t>
+            </a:r>
+          </a:p>
+          <a:p>
+            <a:pPr marL="457200" indent="-457200">
+              <a:buFont typeface="Arial" panose="020B0604020202020204" pitchFamily="34" charset="0"/>
+              <a:buChar char="•"/>
+            </a:pPr>
+            <a:r>
+              <a:rPr lang="en-US" sz="4000" b="1" dirty="0"/>
+              <a:t>PRACTICE</a:t>
+            </a:r>
+            <a:r>
+              <a:rPr lang="en-US" sz="4000" dirty="0"/>
+              <a:t>: Using the README and metadata file for the MAP project, find the original data source and definition for the ‘Traffic_Fatalities_per_100k’.  Hint: The metadata file can be found in the ‘</a:t>
+            </a:r>
+            <a:r>
+              <a:rPr lang="en-US" sz="4000" dirty="0" err="1"/>
+              <a:t>snapshot_county_data</a:t>
+            </a:r>
+            <a:r>
+              <a:rPr lang="en-US" sz="4000" dirty="0"/>
+              <a:t>’ folder.</a:t>
+            </a:r>
+          </a:p>
+        </p:txBody>
+      </p:sp>
+    </p:spTree>
+    <p:extLst>
+      <p:ext uri="{BB962C8B-B14F-4D97-AF65-F5344CB8AC3E}">
+        <p14:creationId xmlns:p14="http://schemas.microsoft.com/office/powerpoint/2010/main" val="3568258390"/>
+      </p:ext>
+    </p:extLst>
+  </p:cSld>
+  <p:clrMapOvr>
+    <a:masterClrMapping/>
+  </p:clrMapOvr>
+</p:sld>
+</file>
+
+<file path=ppt/slides/slide12.xml><?xml version="1.0" encoding="utf-8"?>
 <p:sld xmlns:a="http://schemas.openxmlformats.org/drawingml/2006/main" xmlns:r="http://schemas.openxmlformats.org/officeDocument/2006/relationships" xmlns:p="http://schemas.openxmlformats.org/presentationml/2006/main">
   <p:cSld>
     <p:bg>
@@ -4468,7 +4569,7 @@
         </p:nvSpPr>
         <p:spPr>
           <a:xfrm>
-            <a:off x="11326437" y="3371966"/>
+            <a:off x="11001214" y="3329484"/>
             <a:ext cx="2103120" cy="2103120"/>
           </a:xfrm>
           <a:prstGeom prst="ellipse">
@@ -5022,7 +5123,7 @@
         </p:blipFill>
         <p:spPr>
           <a:xfrm>
-            <a:off x="11699867" y="3745396"/>
+            <a:off x="11374644" y="3702914"/>
             <a:ext cx="1356260" cy="1356260"/>
           </a:xfrm>
           <a:prstGeom prst="rect">
@@ -5145,6 +5246,1109 @@
       </p:transition>
     </mc:Fallback>
   </mc:AlternateContent>
+</p:sld>
+</file>
+
+<file path=ppt/slides/slide2.xml><?xml version="1.0" encoding="utf-8"?>
+<p:sld xmlns:a="http://schemas.openxmlformats.org/drawingml/2006/main" xmlns:r="http://schemas.openxmlformats.org/officeDocument/2006/relationships" xmlns:p="http://schemas.openxmlformats.org/presentationml/2006/main">
+  <p:cSld>
+    <p:spTree>
+      <p:nvGrpSpPr>
+        <p:cNvPr id="1" name=""/>
+        <p:cNvGrpSpPr/>
+        <p:nvPr/>
+      </p:nvGrpSpPr>
+      <p:grpSpPr>
+        <a:xfrm>
+          <a:off x="0" y="0"/>
+          <a:ext cx="0" cy="0"/>
+          <a:chOff x="0" y="0"/>
+          <a:chExt cx="0" cy="0"/>
+        </a:xfrm>
+      </p:grpSpPr>
+      <p:sp>
+        <p:nvSpPr>
+          <p:cNvPr id="2" name="Title 1">
+            <a:extLst>
+              <a:ext uri="{FF2B5EF4-FFF2-40B4-BE49-F238E27FC236}">
+                <a16:creationId xmlns:a16="http://schemas.microsoft.com/office/drawing/2014/main" id="{31693DB8-A585-3AC2-3C24-543A9B945579}"/>
+              </a:ext>
+            </a:extLst>
+          </p:cNvPr>
+          <p:cNvSpPr>
+            <a:spLocks noGrp="1"/>
+          </p:cNvSpPr>
+          <p:nvPr>
+            <p:ph type="title"/>
+          </p:nvPr>
+        </p:nvSpPr>
+        <p:spPr/>
+        <p:txBody>
+          <a:bodyPr/>
+          <a:lstStyle/>
+          <a:p>
+            <a:r>
+              <a:rPr lang="en-US" dirty="0"/>
+              <a:t>LAST TIME</a:t>
+            </a:r>
+          </a:p>
+        </p:txBody>
+      </p:sp>
+      <p:sp>
+        <p:nvSpPr>
+          <p:cNvPr id="3" name="Text Placeholder 2">
+            <a:extLst>
+              <a:ext uri="{FF2B5EF4-FFF2-40B4-BE49-F238E27FC236}">
+                <a16:creationId xmlns:a16="http://schemas.microsoft.com/office/drawing/2014/main" id="{D0894754-D6E2-C523-8200-91C4399B6254}"/>
+              </a:ext>
+            </a:extLst>
+          </p:cNvPr>
+          <p:cNvSpPr>
+            <a:spLocks noGrp="1"/>
+          </p:cNvSpPr>
+          <p:nvPr>
+            <p:ph type="body" sz="quarter" idx="10"/>
+          </p:nvPr>
+        </p:nvSpPr>
+        <p:spPr/>
+        <p:txBody>
+          <a:bodyPr/>
+          <a:lstStyle/>
+          <a:p>
+            <a:pPr marL="457200" indent="-457200">
+              <a:buFont typeface="Arial" panose="020B0604020202020204" pitchFamily="34" charset="0"/>
+              <a:buChar char="•"/>
+            </a:pPr>
+            <a:r>
+              <a:rPr lang="en-US" sz="4800" dirty="0"/>
+              <a:t>We outlined the mental health resource dashboard that we will be building throughout this series</a:t>
+            </a:r>
+          </a:p>
+          <a:p>
+            <a:pPr marL="1371600" lvl="1" indent="-457200">
+              <a:buFont typeface="Arial" panose="020B0604020202020204" pitchFamily="34" charset="0"/>
+              <a:buChar char="•"/>
+            </a:pPr>
+            <a:r>
+              <a:rPr lang="en-US" sz="4800" dirty="0"/>
+              <a:t>We identified data sources</a:t>
+            </a:r>
+          </a:p>
+          <a:p>
+            <a:pPr marL="1371600" lvl="1" indent="-457200">
+              <a:buFont typeface="Arial" panose="020B0604020202020204" pitchFamily="34" charset="0"/>
+              <a:buChar char="•"/>
+            </a:pPr>
+            <a:r>
+              <a:rPr lang="en-US" sz="4800" dirty="0"/>
+              <a:t>We sketched out a rough design of the dashboard</a:t>
+            </a:r>
+          </a:p>
+          <a:p>
+            <a:pPr marL="1371600" lvl="1" indent="-457200">
+              <a:buFont typeface="Arial" panose="020B0604020202020204" pitchFamily="34" charset="0"/>
+              <a:buChar char="•"/>
+            </a:pPr>
+            <a:r>
+              <a:rPr lang="en-US" sz="4800" dirty="0"/>
+              <a:t>We planned some data transformations that will make implementing the dashboard easier </a:t>
+            </a:r>
+          </a:p>
+        </p:txBody>
+      </p:sp>
+    </p:spTree>
+    <p:extLst>
+      <p:ext uri="{BB962C8B-B14F-4D97-AF65-F5344CB8AC3E}">
+        <p14:creationId xmlns:p14="http://schemas.microsoft.com/office/powerpoint/2010/main" val="2009712278"/>
+      </p:ext>
+    </p:extLst>
+  </p:cSld>
+  <p:clrMapOvr>
+    <a:masterClrMapping/>
+  </p:clrMapOvr>
+</p:sld>
+</file>
+
+<file path=ppt/slides/slide3.xml><?xml version="1.0" encoding="utf-8"?>
+<p:sld xmlns:a="http://schemas.openxmlformats.org/drawingml/2006/main" xmlns:r="http://schemas.openxmlformats.org/officeDocument/2006/relationships" xmlns:p="http://schemas.openxmlformats.org/presentationml/2006/main">
+  <p:cSld>
+    <p:spTree>
+      <p:nvGrpSpPr>
+        <p:cNvPr id="1" name=""/>
+        <p:cNvGrpSpPr/>
+        <p:nvPr/>
+      </p:nvGrpSpPr>
+      <p:grpSpPr>
+        <a:xfrm>
+          <a:off x="0" y="0"/>
+          <a:ext cx="0" cy="0"/>
+          <a:chOff x="0" y="0"/>
+          <a:chExt cx="0" cy="0"/>
+        </a:xfrm>
+      </p:grpSpPr>
+      <p:sp>
+        <p:nvSpPr>
+          <p:cNvPr id="2" name="Title 1">
+            <a:extLst>
+              <a:ext uri="{FF2B5EF4-FFF2-40B4-BE49-F238E27FC236}">
+                <a16:creationId xmlns:a16="http://schemas.microsoft.com/office/drawing/2014/main" id="{6AB77709-0764-B6DE-5DED-9C81E4637219}"/>
+              </a:ext>
+            </a:extLst>
+          </p:cNvPr>
+          <p:cNvSpPr>
+            <a:spLocks noGrp="1"/>
+          </p:cNvSpPr>
+          <p:nvPr>
+            <p:ph type="title"/>
+          </p:nvPr>
+        </p:nvSpPr>
+        <p:spPr/>
+        <p:txBody>
+          <a:bodyPr/>
+          <a:lstStyle/>
+          <a:p>
+            <a:r>
+              <a:rPr lang="en-US" dirty="0"/>
+              <a:t>IN THIS VIDEO</a:t>
+            </a:r>
+          </a:p>
+        </p:txBody>
+      </p:sp>
+      <p:sp>
+        <p:nvSpPr>
+          <p:cNvPr id="3" name="Text Placeholder 2">
+            <a:extLst>
+              <a:ext uri="{FF2B5EF4-FFF2-40B4-BE49-F238E27FC236}">
+                <a16:creationId xmlns:a16="http://schemas.microsoft.com/office/drawing/2014/main" id="{83134038-8431-7366-AFC9-B03D929816D8}"/>
+              </a:ext>
+            </a:extLst>
+          </p:cNvPr>
+          <p:cNvSpPr>
+            <a:spLocks noGrp="1"/>
+          </p:cNvSpPr>
+          <p:nvPr>
+            <p:ph type="body" sz="quarter" idx="10"/>
+          </p:nvPr>
+        </p:nvSpPr>
+        <p:spPr/>
+        <p:txBody>
+          <a:bodyPr/>
+          <a:lstStyle/>
+          <a:p>
+            <a:pPr marL="457200" indent="-457200">
+              <a:buFont typeface="Arial" panose="020B0604020202020204" pitchFamily="34" charset="0"/>
+              <a:buChar char="•"/>
+            </a:pPr>
+            <a:r>
+              <a:rPr lang="en-US" sz="4800" dirty="0"/>
+              <a:t>We will discuss good practices to follow while gathering data.</a:t>
+            </a:r>
+          </a:p>
+          <a:p>
+            <a:pPr marL="457200" indent="-457200">
+              <a:buFont typeface="Arial" panose="020B0604020202020204" pitchFamily="34" charset="0"/>
+              <a:buChar char="•"/>
+            </a:pPr>
+            <a:r>
+              <a:rPr lang="en-US" sz="4800" dirty="0"/>
+              <a:t>We will review the data sources and documentation for the original MAP dashboard.</a:t>
+            </a:r>
+          </a:p>
+          <a:p>
+            <a:pPr marL="457200" indent="-457200">
+              <a:buFont typeface="Arial" panose="020B0604020202020204" pitchFamily="34" charset="0"/>
+              <a:buChar char="•"/>
+            </a:pPr>
+            <a:r>
+              <a:rPr lang="en-US" sz="4800" dirty="0"/>
+              <a:t>We will introduce geocodes with common examples.</a:t>
+            </a:r>
+          </a:p>
+          <a:p>
+            <a:pPr marL="457200" indent="-457200">
+              <a:buFont typeface="Arial" panose="020B0604020202020204" pitchFamily="34" charset="0"/>
+              <a:buChar char="•"/>
+            </a:pPr>
+            <a:endParaRPr lang="en-US" sz="4800" dirty="0"/>
+          </a:p>
+          <a:p>
+            <a:pPr marL="457200" indent="-457200">
+              <a:buFont typeface="Arial" panose="020B0604020202020204" pitchFamily="34" charset="0"/>
+              <a:buChar char="•"/>
+            </a:pPr>
+            <a:endParaRPr lang="en-US" dirty="0"/>
+          </a:p>
+          <a:p>
+            <a:pPr marL="457200" indent="-457200">
+              <a:buFont typeface="Arial" panose="020B0604020202020204" pitchFamily="34" charset="0"/>
+              <a:buChar char="•"/>
+            </a:pPr>
+            <a:endParaRPr lang="en-US" dirty="0"/>
+          </a:p>
+          <a:p>
+            <a:pPr marL="457200" indent="-457200">
+              <a:buFont typeface="Arial" panose="020B0604020202020204" pitchFamily="34" charset="0"/>
+              <a:buChar char="•"/>
+            </a:pPr>
+            <a:endParaRPr lang="en-US" dirty="0"/>
+          </a:p>
+        </p:txBody>
+      </p:sp>
+    </p:spTree>
+    <p:extLst>
+      <p:ext uri="{BB962C8B-B14F-4D97-AF65-F5344CB8AC3E}">
+        <p14:creationId xmlns:p14="http://schemas.microsoft.com/office/powerpoint/2010/main" val="3437002363"/>
+      </p:ext>
+    </p:extLst>
+  </p:cSld>
+  <p:clrMapOvr>
+    <a:masterClrMapping/>
+  </p:clrMapOvr>
+</p:sld>
+</file>
+
+<file path=ppt/slides/slide4.xml><?xml version="1.0" encoding="utf-8"?>
+<p:sld xmlns:a="http://schemas.openxmlformats.org/drawingml/2006/main" xmlns:r="http://schemas.openxmlformats.org/officeDocument/2006/relationships" xmlns:p="http://schemas.openxmlformats.org/presentationml/2006/main">
+  <p:cSld>
+    <p:spTree>
+      <p:nvGrpSpPr>
+        <p:cNvPr id="1" name=""/>
+        <p:cNvGrpSpPr/>
+        <p:nvPr/>
+      </p:nvGrpSpPr>
+      <p:grpSpPr>
+        <a:xfrm>
+          <a:off x="0" y="0"/>
+          <a:ext cx="0" cy="0"/>
+          <a:chOff x="0" y="0"/>
+          <a:chExt cx="0" cy="0"/>
+        </a:xfrm>
+      </p:grpSpPr>
+      <p:sp>
+        <p:nvSpPr>
+          <p:cNvPr id="2" name="Title 1">
+            <a:extLst>
+              <a:ext uri="{FF2B5EF4-FFF2-40B4-BE49-F238E27FC236}">
+                <a16:creationId xmlns:a16="http://schemas.microsoft.com/office/drawing/2014/main" id="{858B807D-8A44-8199-8722-56492F3CF304}"/>
+              </a:ext>
+            </a:extLst>
+          </p:cNvPr>
+          <p:cNvSpPr>
+            <a:spLocks noGrp="1"/>
+          </p:cNvSpPr>
+          <p:nvPr>
+            <p:ph type="title"/>
+          </p:nvPr>
+        </p:nvSpPr>
+        <p:spPr/>
+        <p:txBody>
+          <a:bodyPr/>
+          <a:lstStyle/>
+          <a:p>
+            <a:r>
+              <a:rPr lang="en-US" dirty="0"/>
+              <a:t>GOOD DATA PRACTICES </a:t>
+            </a:r>
+          </a:p>
+        </p:txBody>
+      </p:sp>
+      <p:sp>
+        <p:nvSpPr>
+          <p:cNvPr id="3" name="Text Placeholder 2">
+            <a:extLst>
+              <a:ext uri="{FF2B5EF4-FFF2-40B4-BE49-F238E27FC236}">
+                <a16:creationId xmlns:a16="http://schemas.microsoft.com/office/drawing/2014/main" id="{BFD00C1C-93A1-6F43-D64D-ED5F4C15B894}"/>
+              </a:ext>
+            </a:extLst>
+          </p:cNvPr>
+          <p:cNvSpPr>
+            <a:spLocks noGrp="1"/>
+          </p:cNvSpPr>
+          <p:nvPr>
+            <p:ph type="body" sz="quarter" idx="10"/>
+          </p:nvPr>
+        </p:nvSpPr>
+        <p:spPr>
+          <a:xfrm>
+            <a:off x="3048000" y="3258589"/>
+            <a:ext cx="18288000" cy="6901411"/>
+          </a:xfrm>
+        </p:spPr>
+        <p:txBody>
+          <a:bodyPr/>
+          <a:lstStyle/>
+          <a:p>
+            <a:pPr marL="285750" indent="-285750">
+              <a:buFont typeface="Arial" panose="020B0604020202020204" pitchFamily="34" charset="0"/>
+              <a:buChar char="•"/>
+            </a:pPr>
+            <a:r>
+              <a:rPr lang="en-US" sz="4400" dirty="0">
+                <a:latin typeface="Nunito Sans" pitchFamily="2" charset="0"/>
+                <a:ea typeface="Calibri" panose="020F0502020204030204" pitchFamily="34" charset="0"/>
+                <a:cs typeface="Times New Roman" panose="02020603050405020304" pitchFamily="18" charset="0"/>
+              </a:rPr>
+              <a:t>Make</a:t>
+            </a:r>
+            <a:r>
+              <a:rPr lang="en-US" sz="4400" dirty="0">
+                <a:effectLst/>
+                <a:latin typeface="Nunito Sans" pitchFamily="2" charset="0"/>
+                <a:ea typeface="Calibri" panose="020F0502020204030204" pitchFamily="34" charset="0"/>
+                <a:cs typeface="Times New Roman" panose="02020603050405020304" pitchFamily="18" charset="0"/>
+              </a:rPr>
+              <a:t> a README as you go. </a:t>
+            </a:r>
+          </a:p>
+          <a:p>
+            <a:pPr marL="285750" indent="-285750">
+              <a:buFont typeface="Arial" panose="020B0604020202020204" pitchFamily="34" charset="0"/>
+              <a:buChar char="•"/>
+            </a:pPr>
+            <a:r>
+              <a:rPr lang="en-US" sz="4400" dirty="0">
+                <a:latin typeface="Nunito Sans" pitchFamily="2" charset="0"/>
+                <a:ea typeface="Calibri" panose="020F0502020204030204" pitchFamily="34" charset="0"/>
+                <a:cs typeface="Times New Roman" panose="02020603050405020304" pitchFamily="18" charset="0"/>
+              </a:rPr>
+              <a:t>S</a:t>
+            </a:r>
+            <a:r>
+              <a:rPr lang="en-US" sz="4400" dirty="0">
+                <a:effectLst/>
+                <a:latin typeface="Nunito Sans" pitchFamily="2" charset="0"/>
+                <a:ea typeface="Calibri" panose="020F0502020204030204" pitchFamily="34" charset="0"/>
+                <a:cs typeface="Times New Roman" panose="02020603050405020304" pitchFamily="18" charset="0"/>
+              </a:rPr>
+              <a:t>ave links to datasets with the date accessed.</a:t>
+            </a:r>
+          </a:p>
+          <a:p>
+            <a:pPr marL="285750" indent="-285750">
+              <a:buFont typeface="Arial" panose="020B0604020202020204" pitchFamily="34" charset="0"/>
+              <a:buChar char="•"/>
+            </a:pPr>
+            <a:r>
+              <a:rPr lang="en-US" sz="4400" dirty="0">
+                <a:latin typeface="Nunito Sans" pitchFamily="2" charset="0"/>
+                <a:ea typeface="Calibri" panose="020F0502020204030204" pitchFamily="34" charset="0"/>
+                <a:cs typeface="Times New Roman" panose="02020603050405020304" pitchFamily="18" charset="0"/>
+              </a:rPr>
+              <a:t>Give data files descriptive names.</a:t>
+            </a:r>
+            <a:endParaRPr lang="en-US" sz="4400" dirty="0">
+              <a:effectLst/>
+              <a:latin typeface="Nunito Sans" pitchFamily="2" charset="0"/>
+              <a:ea typeface="Calibri" panose="020F0502020204030204" pitchFamily="34" charset="0"/>
+              <a:cs typeface="Times New Roman" panose="02020603050405020304" pitchFamily="18" charset="0"/>
+            </a:endParaRPr>
+          </a:p>
+          <a:p>
+            <a:pPr marL="285750" indent="-285750">
+              <a:buFont typeface="Arial" panose="020B0604020202020204" pitchFamily="34" charset="0"/>
+              <a:buChar char="•"/>
+            </a:pPr>
+            <a:r>
+              <a:rPr lang="en-US" sz="4400" dirty="0">
+                <a:latin typeface="Nunito Sans" pitchFamily="2" charset="0"/>
+                <a:ea typeface="Calibri" panose="020F0502020204030204" pitchFamily="34" charset="0"/>
+                <a:cs typeface="Times New Roman" panose="02020603050405020304" pitchFamily="18" charset="0"/>
+              </a:rPr>
+              <a:t>Document any updates to your dataset (this can be done in the README).</a:t>
+            </a:r>
+            <a:endParaRPr lang="en-US" sz="4400" dirty="0">
+              <a:effectLst/>
+              <a:latin typeface="Nunito Sans" pitchFamily="2" charset="0"/>
+              <a:ea typeface="Calibri" panose="020F0502020204030204" pitchFamily="34" charset="0"/>
+              <a:cs typeface="Times New Roman" panose="02020603050405020304" pitchFamily="18" charset="0"/>
+            </a:endParaRPr>
+          </a:p>
+          <a:p>
+            <a:pPr marL="285750" indent="-285750">
+              <a:buFont typeface="Arial" panose="020B0604020202020204" pitchFamily="34" charset="0"/>
+              <a:buChar char="•"/>
+            </a:pPr>
+            <a:r>
+              <a:rPr lang="en-US" sz="4400" dirty="0">
+                <a:latin typeface="Nunito Sans" pitchFamily="2" charset="0"/>
+                <a:ea typeface="Calibri" panose="020F0502020204030204" pitchFamily="34" charset="0"/>
+                <a:cs typeface="Times New Roman" panose="02020603050405020304" pitchFamily="18" charset="0"/>
+              </a:rPr>
+              <a:t>Make a metadata file for the final dataset.</a:t>
+            </a:r>
+            <a:r>
+              <a:rPr lang="en-US" sz="4400" dirty="0">
+                <a:effectLst/>
+                <a:latin typeface="Nunito Sans" pitchFamily="2" charset="0"/>
+                <a:ea typeface="Calibri" panose="020F0502020204030204" pitchFamily="34" charset="0"/>
+                <a:cs typeface="Times New Roman" panose="02020603050405020304" pitchFamily="18" charset="0"/>
+              </a:rPr>
+              <a:t> </a:t>
+            </a:r>
+          </a:p>
+        </p:txBody>
+      </p:sp>
+    </p:spTree>
+    <p:extLst>
+      <p:ext uri="{BB962C8B-B14F-4D97-AF65-F5344CB8AC3E}">
+        <p14:creationId xmlns:p14="http://schemas.microsoft.com/office/powerpoint/2010/main" val="2574233034"/>
+      </p:ext>
+    </p:extLst>
+  </p:cSld>
+  <p:clrMapOvr>
+    <a:masterClrMapping/>
+  </p:clrMapOvr>
+</p:sld>
+</file>
+
+<file path=ppt/slides/slide5.xml><?xml version="1.0" encoding="utf-8"?>
+<p:sld xmlns:a="http://schemas.openxmlformats.org/drawingml/2006/main" xmlns:r="http://schemas.openxmlformats.org/officeDocument/2006/relationships" xmlns:p="http://schemas.openxmlformats.org/presentationml/2006/main">
+  <p:cSld>
+    <p:spTree>
+      <p:nvGrpSpPr>
+        <p:cNvPr id="1" name=""/>
+        <p:cNvGrpSpPr/>
+        <p:nvPr/>
+      </p:nvGrpSpPr>
+      <p:grpSpPr>
+        <a:xfrm>
+          <a:off x="0" y="0"/>
+          <a:ext cx="0" cy="0"/>
+          <a:chOff x="0" y="0"/>
+          <a:chExt cx="0" cy="0"/>
+        </a:xfrm>
+      </p:grpSpPr>
+      <p:sp>
+        <p:nvSpPr>
+          <p:cNvPr id="2" name="Title 1">
+            <a:extLst>
+              <a:ext uri="{FF2B5EF4-FFF2-40B4-BE49-F238E27FC236}">
+                <a16:creationId xmlns:a16="http://schemas.microsoft.com/office/drawing/2014/main" id="{8FCC3591-86CA-600F-C92A-84CACA4E7624}"/>
+              </a:ext>
+            </a:extLst>
+          </p:cNvPr>
+          <p:cNvSpPr>
+            <a:spLocks noGrp="1"/>
+          </p:cNvSpPr>
+          <p:nvPr>
+            <p:ph type="title"/>
+          </p:nvPr>
+        </p:nvSpPr>
+        <p:spPr/>
+        <p:txBody>
+          <a:bodyPr/>
+          <a:lstStyle/>
+          <a:p>
+            <a:r>
+              <a:rPr lang="en-US" dirty="0"/>
+              <a:t>SUGGESTED DIRECTORY FORMAT</a:t>
+            </a:r>
+          </a:p>
+        </p:txBody>
+      </p:sp>
+      <p:pic>
+        <p:nvPicPr>
+          <p:cNvPr id="4" name="Picture 2" descr="image">
+            <a:extLst>
+              <a:ext uri="{FF2B5EF4-FFF2-40B4-BE49-F238E27FC236}">
+                <a16:creationId xmlns:a16="http://schemas.microsoft.com/office/drawing/2014/main" id="{C2A07092-A5E6-3429-E07C-DA0E7795C13C}"/>
+              </a:ext>
+            </a:extLst>
+          </p:cNvPr>
+          <p:cNvPicPr>
+            <a:picLocks noChangeAspect="1" noChangeArrowheads="1"/>
+          </p:cNvPicPr>
+          <p:nvPr/>
+        </p:nvPicPr>
+        <p:blipFill>
+          <a:blip r:embed="rId2">
+            <a:extLst>
+              <a:ext uri="{28A0092B-C50C-407E-A947-70E740481C1C}">
+                <a14:useLocalDpi xmlns:a14="http://schemas.microsoft.com/office/drawing/2010/main" val="0"/>
+              </a:ext>
+            </a:extLst>
+          </a:blip>
+          <a:srcRect/>
+          <a:stretch>
+            <a:fillRect/>
+          </a:stretch>
+        </p:blipFill>
+        <p:spPr bwMode="auto">
+          <a:xfrm>
+            <a:off x="4008056" y="4271386"/>
+            <a:ext cx="16367888" cy="5603421"/>
+          </a:xfrm>
+          <a:prstGeom prst="rect">
+            <a:avLst/>
+          </a:prstGeom>
+          <a:noFill/>
+          <a:extLst>
+            <a:ext uri="{909E8E84-426E-40DD-AFC4-6F175D3DCCD1}">
+              <a14:hiddenFill xmlns:a14="http://schemas.microsoft.com/office/drawing/2010/main">
+                <a:solidFill>
+                  <a:srgbClr val="FFFFFF"/>
+                </a:solidFill>
+              </a14:hiddenFill>
+            </a:ext>
+          </a:extLst>
+        </p:spPr>
+      </p:pic>
+    </p:spTree>
+    <p:extLst>
+      <p:ext uri="{BB962C8B-B14F-4D97-AF65-F5344CB8AC3E}">
+        <p14:creationId xmlns:p14="http://schemas.microsoft.com/office/powerpoint/2010/main" val="1718837842"/>
+      </p:ext>
+    </p:extLst>
+  </p:cSld>
+  <p:clrMapOvr>
+    <a:masterClrMapping/>
+  </p:clrMapOvr>
+</p:sld>
+</file>
+
+<file path=ppt/slides/slide6.xml><?xml version="1.0" encoding="utf-8"?>
+<p:sld xmlns:a="http://schemas.openxmlformats.org/drawingml/2006/main" xmlns:r="http://schemas.openxmlformats.org/officeDocument/2006/relationships" xmlns:p="http://schemas.openxmlformats.org/presentationml/2006/main">
+  <p:cSld>
+    <p:spTree>
+      <p:nvGrpSpPr>
+        <p:cNvPr id="1" name=""/>
+        <p:cNvGrpSpPr/>
+        <p:nvPr/>
+      </p:nvGrpSpPr>
+      <p:grpSpPr>
+        <a:xfrm>
+          <a:off x="0" y="0"/>
+          <a:ext cx="0" cy="0"/>
+          <a:chOff x="0" y="0"/>
+          <a:chExt cx="0" cy="0"/>
+        </a:xfrm>
+      </p:grpSpPr>
+      <p:sp>
+        <p:nvSpPr>
+          <p:cNvPr id="2" name="Title 1">
+            <a:extLst>
+              <a:ext uri="{FF2B5EF4-FFF2-40B4-BE49-F238E27FC236}">
+                <a16:creationId xmlns:a16="http://schemas.microsoft.com/office/drawing/2014/main" id="{B4B8F5D6-D285-BCB8-93E5-5965D74944FF}"/>
+              </a:ext>
+            </a:extLst>
+          </p:cNvPr>
+          <p:cNvSpPr>
+            <a:spLocks noGrp="1"/>
+          </p:cNvSpPr>
+          <p:nvPr>
+            <p:ph type="title"/>
+          </p:nvPr>
+        </p:nvSpPr>
+        <p:spPr>
+          <a:xfrm>
+            <a:off x="3048000" y="1388623"/>
+            <a:ext cx="18288000" cy="1143562"/>
+          </a:xfrm>
+        </p:spPr>
+        <p:txBody>
+          <a:bodyPr/>
+          <a:lstStyle/>
+          <a:p>
+            <a:r>
+              <a:rPr lang="en-US" dirty="0"/>
+              <a:t>MAP DATA AND DOCUMENTATION</a:t>
+            </a:r>
+          </a:p>
+        </p:txBody>
+      </p:sp>
+      <p:sp>
+        <p:nvSpPr>
+          <p:cNvPr id="3" name="Text Placeholder 2">
+            <a:extLst>
+              <a:ext uri="{FF2B5EF4-FFF2-40B4-BE49-F238E27FC236}">
+                <a16:creationId xmlns:a16="http://schemas.microsoft.com/office/drawing/2014/main" id="{9F560804-E04C-07F0-EEEC-4F2620A12AB7}"/>
+              </a:ext>
+            </a:extLst>
+          </p:cNvPr>
+          <p:cNvSpPr>
+            <a:spLocks noGrp="1"/>
+          </p:cNvSpPr>
+          <p:nvPr>
+            <p:ph type="body" sz="quarter" idx="10"/>
+          </p:nvPr>
+        </p:nvSpPr>
+        <p:spPr/>
+        <p:txBody>
+          <a:bodyPr/>
+          <a:lstStyle/>
+          <a:p>
+            <a:pPr marL="457200" indent="-457200">
+              <a:buFont typeface="Arial" panose="020B0604020202020204" pitchFamily="34" charset="0"/>
+              <a:buChar char="•"/>
+            </a:pPr>
+            <a:r>
+              <a:rPr lang="en-US" sz="4400" dirty="0"/>
+              <a:t>All MAP data, code , and documentation is available on our </a:t>
+            </a:r>
+            <a:r>
+              <a:rPr lang="en-US" sz="4400" dirty="0" err="1"/>
+              <a:t>Github</a:t>
+            </a:r>
+            <a:r>
+              <a:rPr lang="en-US" sz="4400" dirty="0"/>
+              <a:t> page: </a:t>
+            </a:r>
+            <a:r>
+              <a:rPr lang="en-US" sz="4400" dirty="0">
+                <a:hlinkClick r:id="rId2"/>
+              </a:rPr>
+              <a:t>https://github.com/MariaElise-T/CHERR-mental_health_map</a:t>
+            </a:r>
+            <a:r>
+              <a:rPr lang="en-US" sz="4400" dirty="0"/>
+              <a:t> </a:t>
+            </a:r>
+          </a:p>
+        </p:txBody>
+      </p:sp>
+    </p:spTree>
+    <p:extLst>
+      <p:ext uri="{BB962C8B-B14F-4D97-AF65-F5344CB8AC3E}">
+        <p14:creationId xmlns:p14="http://schemas.microsoft.com/office/powerpoint/2010/main" val="2056410864"/>
+      </p:ext>
+    </p:extLst>
+  </p:cSld>
+  <p:clrMapOvr>
+    <a:masterClrMapping/>
+  </p:clrMapOvr>
+</p:sld>
+</file>
+
+<file path=ppt/slides/slide7.xml><?xml version="1.0" encoding="utf-8"?>
+<p:sld xmlns:a="http://schemas.openxmlformats.org/drawingml/2006/main" xmlns:r="http://schemas.openxmlformats.org/officeDocument/2006/relationships" xmlns:p="http://schemas.openxmlformats.org/presentationml/2006/main">
+  <p:cSld>
+    <p:spTree>
+      <p:nvGrpSpPr>
+        <p:cNvPr id="1" name=""/>
+        <p:cNvGrpSpPr/>
+        <p:nvPr/>
+      </p:nvGrpSpPr>
+      <p:grpSpPr>
+        <a:xfrm>
+          <a:off x="0" y="0"/>
+          <a:ext cx="0" cy="0"/>
+          <a:chOff x="0" y="0"/>
+          <a:chExt cx="0" cy="0"/>
+        </a:xfrm>
+      </p:grpSpPr>
+      <p:sp>
+        <p:nvSpPr>
+          <p:cNvPr id="2" name="Title 1">
+            <a:extLst>
+              <a:ext uri="{FF2B5EF4-FFF2-40B4-BE49-F238E27FC236}">
+                <a16:creationId xmlns:a16="http://schemas.microsoft.com/office/drawing/2014/main" id="{FC2B8015-4572-B377-1C39-7C9826EC0FF5}"/>
+              </a:ext>
+            </a:extLst>
+          </p:cNvPr>
+          <p:cNvSpPr>
+            <a:spLocks noGrp="1"/>
+          </p:cNvSpPr>
+          <p:nvPr>
+            <p:ph type="title"/>
+          </p:nvPr>
+        </p:nvSpPr>
+        <p:spPr/>
+        <p:txBody>
+          <a:bodyPr/>
+          <a:lstStyle/>
+          <a:p>
+            <a:r>
+              <a:rPr lang="en-US" dirty="0"/>
+              <a:t>FINDING RELIABLE DATA</a:t>
+            </a:r>
+          </a:p>
+        </p:txBody>
+      </p:sp>
+      <p:sp>
+        <p:nvSpPr>
+          <p:cNvPr id="3" name="Text Placeholder 2">
+            <a:extLst>
+              <a:ext uri="{FF2B5EF4-FFF2-40B4-BE49-F238E27FC236}">
+                <a16:creationId xmlns:a16="http://schemas.microsoft.com/office/drawing/2014/main" id="{1DD8D6BC-0352-3858-06FD-ED1DCD5C97E0}"/>
+              </a:ext>
+            </a:extLst>
+          </p:cNvPr>
+          <p:cNvSpPr>
+            <a:spLocks noGrp="1"/>
+          </p:cNvSpPr>
+          <p:nvPr>
+            <p:ph type="body" sz="quarter" idx="10"/>
+          </p:nvPr>
+        </p:nvSpPr>
+        <p:spPr>
+          <a:xfrm>
+            <a:off x="3048000" y="2876204"/>
+            <a:ext cx="18288000" cy="7283796"/>
+          </a:xfrm>
+        </p:spPr>
+        <p:txBody>
+          <a:bodyPr/>
+          <a:lstStyle/>
+          <a:p>
+            <a:pPr marL="457200" indent="-457200">
+              <a:buFont typeface="Arial" panose="020B0604020202020204" pitchFamily="34" charset="0"/>
+              <a:buChar char="•"/>
+            </a:pPr>
+            <a:r>
+              <a:rPr lang="en-US" sz="3000" dirty="0"/>
+              <a:t>Generally, you should seek primary datasets directly from their original publisher if possible.</a:t>
+            </a:r>
+          </a:p>
+          <a:p>
+            <a:pPr marL="1371600" lvl="1" indent="-457200">
+              <a:buFont typeface="Arial" panose="020B0604020202020204" pitchFamily="34" charset="0"/>
+              <a:buChar char="•"/>
+            </a:pPr>
+            <a:r>
+              <a:rPr lang="en-US" sz="3000" dirty="0"/>
+              <a:t>For example, census data should come from </a:t>
+            </a:r>
+            <a:r>
+              <a:rPr lang="en-US" sz="3000" dirty="0">
+                <a:hlinkClick r:id="rId2"/>
+              </a:rPr>
+              <a:t>https://data.census.gov/</a:t>
+            </a:r>
+            <a:r>
+              <a:rPr lang="en-US" sz="3000" dirty="0"/>
+              <a:t> rather than a secondary source.</a:t>
+            </a:r>
+          </a:p>
+          <a:p>
+            <a:pPr marL="457200" indent="-457200">
+              <a:buFont typeface="Arial" panose="020B0604020202020204" pitchFamily="34" charset="0"/>
+              <a:buChar char="•"/>
+            </a:pPr>
+            <a:r>
+              <a:rPr lang="en-US" sz="3000" dirty="0"/>
+              <a:t>If you must use secondary sources, make sure the primary source is cited.  Do not use data of unknown origin.</a:t>
+            </a:r>
+          </a:p>
+          <a:p>
+            <a:pPr marL="457200" indent="-457200">
+              <a:buFont typeface="Arial" panose="020B0604020202020204" pitchFamily="34" charset="0"/>
+              <a:buChar char="•"/>
+            </a:pPr>
+            <a:r>
+              <a:rPr lang="en-US" sz="3000" dirty="0"/>
+              <a:t> Government data sources (federal, state, county, and city) can provide a wealth of health and demographic data with varying levels of geographic granularity</a:t>
+            </a:r>
+          </a:p>
+          <a:p>
+            <a:pPr marL="457200" indent="-457200">
+              <a:buFont typeface="Arial" panose="020B0604020202020204" pitchFamily="34" charset="0"/>
+              <a:buChar char="•"/>
+            </a:pPr>
+            <a:r>
+              <a:rPr lang="en-US" sz="3000" dirty="0"/>
+              <a:t>Reputable nonprofits and/or journalists will sometimes compile datasets from public records and/or FOI requests.  These datasets may include variables not available from other sources.</a:t>
+            </a:r>
+          </a:p>
+          <a:p>
+            <a:pPr marL="1371600" lvl="1" indent="-457200">
+              <a:buFont typeface="Arial" panose="020B0604020202020204" pitchFamily="34" charset="0"/>
+              <a:buChar char="•"/>
+            </a:pPr>
+            <a:r>
+              <a:rPr lang="en-US" sz="3000" dirty="0"/>
+              <a:t>The MAP data uses Texas jail occupancy data compiled by the Vera Institute, a nonprofit that compiled the data from multiple federal surveys.  See </a:t>
+            </a:r>
+            <a:r>
+              <a:rPr lang="en-US" sz="3000" dirty="0">
+                <a:hlinkClick r:id="rId3"/>
+              </a:rPr>
+              <a:t>https://trends.vera.org/methodology/</a:t>
+            </a:r>
+            <a:r>
+              <a:rPr lang="en-US" sz="3000" dirty="0"/>
+              <a:t> for full methodology.</a:t>
+            </a:r>
+          </a:p>
+        </p:txBody>
+      </p:sp>
+    </p:spTree>
+    <p:extLst>
+      <p:ext uri="{BB962C8B-B14F-4D97-AF65-F5344CB8AC3E}">
+        <p14:creationId xmlns:p14="http://schemas.microsoft.com/office/powerpoint/2010/main" val="32972567"/>
+      </p:ext>
+    </p:extLst>
+  </p:cSld>
+  <p:clrMapOvr>
+    <a:masterClrMapping/>
+  </p:clrMapOvr>
+</p:sld>
+</file>
+
+<file path=ppt/slides/slide8.xml><?xml version="1.0" encoding="utf-8"?>
+<p:sld xmlns:a="http://schemas.openxmlformats.org/drawingml/2006/main" xmlns:r="http://schemas.openxmlformats.org/officeDocument/2006/relationships" xmlns:p="http://schemas.openxmlformats.org/presentationml/2006/main">
+  <p:cSld>
+    <p:spTree>
+      <p:nvGrpSpPr>
+        <p:cNvPr id="1" name=""/>
+        <p:cNvGrpSpPr/>
+        <p:nvPr/>
+      </p:nvGrpSpPr>
+      <p:grpSpPr>
+        <a:xfrm>
+          <a:off x="0" y="0"/>
+          <a:ext cx="0" cy="0"/>
+          <a:chOff x="0" y="0"/>
+          <a:chExt cx="0" cy="0"/>
+        </a:xfrm>
+      </p:grpSpPr>
+      <p:sp>
+        <p:nvSpPr>
+          <p:cNvPr id="2" name="Title 1">
+            <a:extLst>
+              <a:ext uri="{FF2B5EF4-FFF2-40B4-BE49-F238E27FC236}">
+                <a16:creationId xmlns:a16="http://schemas.microsoft.com/office/drawing/2014/main" id="{8D196876-299E-9224-E6CC-0003E49084C1}"/>
+              </a:ext>
+            </a:extLst>
+          </p:cNvPr>
+          <p:cNvSpPr>
+            <a:spLocks noGrp="1"/>
+          </p:cNvSpPr>
+          <p:nvPr>
+            <p:ph type="title"/>
+          </p:nvPr>
+        </p:nvSpPr>
+        <p:spPr/>
+        <p:txBody>
+          <a:bodyPr/>
+          <a:lstStyle/>
+          <a:p>
+            <a:r>
+              <a:rPr lang="en-US" dirty="0"/>
+              <a:t>MAP DATA SOURCES (Version 2.1)</a:t>
+            </a:r>
+          </a:p>
+        </p:txBody>
+      </p:sp>
+      <p:sp>
+        <p:nvSpPr>
+          <p:cNvPr id="3" name="Text Placeholder 2">
+            <a:extLst>
+              <a:ext uri="{FF2B5EF4-FFF2-40B4-BE49-F238E27FC236}">
+                <a16:creationId xmlns:a16="http://schemas.microsoft.com/office/drawing/2014/main" id="{1A4C0473-790F-1645-E449-3EE464B12BBE}"/>
+              </a:ext>
+            </a:extLst>
+          </p:cNvPr>
+          <p:cNvSpPr>
+            <a:spLocks noGrp="1"/>
+          </p:cNvSpPr>
+          <p:nvPr>
+            <p:ph type="body" sz="quarter" idx="10"/>
+          </p:nvPr>
+        </p:nvSpPr>
+        <p:spPr/>
+        <p:txBody>
+          <a:bodyPr/>
+          <a:lstStyle/>
+          <a:p>
+            <a:pPr marL="457200" indent="-457200">
+              <a:buFont typeface="Arial" panose="020B0604020202020204" pitchFamily="34" charset="0"/>
+              <a:buChar char="•"/>
+            </a:pPr>
+            <a:r>
+              <a:rPr lang="en-US" sz="3200" b="1" dirty="0"/>
+              <a:t>Federal</a:t>
+            </a:r>
+            <a:r>
+              <a:rPr lang="en-US" sz="3200" dirty="0"/>
+              <a:t>: Bureau of Labor Statistics (BLS), US Census, Centers of Medicare and Medicaid Services (CMS), Office of the Assistant Secretary for Planning and Evaluation (ASPE), Veteran’s Administration (VA), Centers for Disease Control and Prevention (CDC), National Highway Traffic Safety Administration (NHTSA), Office of Inspector General (OIG), Substance Abuse and Mental Health Services Administration (SAMHSA), National Forensic Laboratory Information System (NFLIS), Federal Bureau of Investigation (FBI)</a:t>
+            </a:r>
+          </a:p>
+          <a:p>
+            <a:pPr marL="457200" indent="-457200">
+              <a:buFont typeface="Arial" panose="020B0604020202020204" pitchFamily="34" charset="0"/>
+              <a:buChar char="•"/>
+            </a:pPr>
+            <a:r>
+              <a:rPr lang="en-US" sz="3200" b="1" dirty="0"/>
+              <a:t>State</a:t>
+            </a:r>
+            <a:r>
+              <a:rPr lang="en-US" sz="3200" dirty="0"/>
+              <a:t>: Texas Department of State Health Services (DSHS), Texas Office of Court Administration, Texas Education Agency, Texas Open Data Portal</a:t>
+            </a:r>
+          </a:p>
+          <a:p>
+            <a:pPr marL="457200" indent="-457200">
+              <a:buFont typeface="Arial" panose="020B0604020202020204" pitchFamily="34" charset="0"/>
+              <a:buChar char="•"/>
+            </a:pPr>
+            <a:r>
+              <a:rPr lang="en-US" sz="3200" b="1" dirty="0"/>
+              <a:t>Nonprofit</a:t>
+            </a:r>
+            <a:r>
+              <a:rPr lang="en-US" sz="3200" dirty="0"/>
+              <a:t>: The Vera Institute</a:t>
+            </a:r>
+          </a:p>
+        </p:txBody>
+      </p:sp>
+    </p:spTree>
+    <p:extLst>
+      <p:ext uri="{BB962C8B-B14F-4D97-AF65-F5344CB8AC3E}">
+        <p14:creationId xmlns:p14="http://schemas.microsoft.com/office/powerpoint/2010/main" val="4024454595"/>
+      </p:ext>
+    </p:extLst>
+  </p:cSld>
+  <p:clrMapOvr>
+    <a:masterClrMapping/>
+  </p:clrMapOvr>
+</p:sld>
+</file>
+
+<file path=ppt/slides/slide9.xml><?xml version="1.0" encoding="utf-8"?>
+<p:sld xmlns:a="http://schemas.openxmlformats.org/drawingml/2006/main" xmlns:r="http://schemas.openxmlformats.org/officeDocument/2006/relationships" xmlns:p="http://schemas.openxmlformats.org/presentationml/2006/main">
+  <p:cSld>
+    <p:spTree>
+      <p:nvGrpSpPr>
+        <p:cNvPr id="1" name=""/>
+        <p:cNvGrpSpPr/>
+        <p:nvPr/>
+      </p:nvGrpSpPr>
+      <p:grpSpPr>
+        <a:xfrm>
+          <a:off x="0" y="0"/>
+          <a:ext cx="0" cy="0"/>
+          <a:chOff x="0" y="0"/>
+          <a:chExt cx="0" cy="0"/>
+        </a:xfrm>
+      </p:grpSpPr>
+      <p:sp>
+        <p:nvSpPr>
+          <p:cNvPr id="2" name="Title 1">
+            <a:extLst>
+              <a:ext uri="{FF2B5EF4-FFF2-40B4-BE49-F238E27FC236}">
+                <a16:creationId xmlns:a16="http://schemas.microsoft.com/office/drawing/2014/main" id="{7529DC9B-A224-7BA2-8DC0-7B44B4A4CC6F}"/>
+              </a:ext>
+            </a:extLst>
+          </p:cNvPr>
+          <p:cNvSpPr>
+            <a:spLocks noGrp="1"/>
+          </p:cNvSpPr>
+          <p:nvPr>
+            <p:ph type="title"/>
+          </p:nvPr>
+        </p:nvSpPr>
+        <p:spPr/>
+        <p:txBody>
+          <a:bodyPr/>
+          <a:lstStyle/>
+          <a:p>
+            <a:r>
+              <a:rPr lang="en-US" dirty="0"/>
+              <a:t>GEOGRAPHICAL DATA</a:t>
+            </a:r>
+          </a:p>
+        </p:txBody>
+      </p:sp>
+      <p:sp>
+        <p:nvSpPr>
+          <p:cNvPr id="3" name="Text Placeholder 2">
+            <a:extLst>
+              <a:ext uri="{FF2B5EF4-FFF2-40B4-BE49-F238E27FC236}">
+                <a16:creationId xmlns:a16="http://schemas.microsoft.com/office/drawing/2014/main" id="{A15AF8BF-C7D9-5B09-EC8A-22A3CE8BE542}"/>
+              </a:ext>
+            </a:extLst>
+          </p:cNvPr>
+          <p:cNvSpPr>
+            <a:spLocks noGrp="1"/>
+          </p:cNvSpPr>
+          <p:nvPr>
+            <p:ph type="body" sz="quarter" idx="10"/>
+          </p:nvPr>
+        </p:nvSpPr>
+        <p:spPr/>
+        <p:txBody>
+          <a:bodyPr/>
+          <a:lstStyle/>
+          <a:p>
+            <a:pPr marL="457200" indent="-457200">
+              <a:buFont typeface="Arial" panose="020B0604020202020204" pitchFamily="34" charset="0"/>
+              <a:buChar char="•"/>
+            </a:pPr>
+            <a:r>
+              <a:rPr lang="en-US" sz="3600" dirty="0"/>
+              <a:t>Population health data will often be reported by geographic region (e.g., state, county, ZIP code, congressional district, school district, census tract).</a:t>
+            </a:r>
+          </a:p>
+          <a:p>
+            <a:pPr marL="457200" indent="-457200">
+              <a:buFont typeface="Arial" panose="020B0604020202020204" pitchFamily="34" charset="0"/>
+              <a:buChar char="•"/>
+            </a:pPr>
+            <a:r>
+              <a:rPr lang="en-US" sz="3600" dirty="0"/>
+              <a:t>A </a:t>
+            </a:r>
+            <a:r>
+              <a:rPr lang="en-US" sz="3600" b="1" dirty="0"/>
+              <a:t>geocode</a:t>
+            </a:r>
+            <a:r>
+              <a:rPr lang="en-US" sz="3600" dirty="0"/>
+              <a:t> is a unique identifier of a geographic entity. </a:t>
+            </a:r>
+          </a:p>
+          <a:p>
+            <a:pPr marL="457200" indent="-457200">
+              <a:buFont typeface="Arial" panose="020B0604020202020204" pitchFamily="34" charset="0"/>
+              <a:buChar char="•"/>
+            </a:pPr>
+            <a:r>
+              <a:rPr lang="en-US" sz="3600" dirty="0"/>
+              <a:t>FIPS codes are common geocodes in health data.  FIPS codes are 5-digit codes corresponding to counties where the first two digits represent the state and the last three represent the county.</a:t>
+            </a:r>
+          </a:p>
+          <a:p>
+            <a:pPr marL="457200" indent="-457200">
+              <a:buFont typeface="Arial" panose="020B0604020202020204" pitchFamily="34" charset="0"/>
+              <a:buChar char="•"/>
+            </a:pPr>
+            <a:r>
+              <a:rPr lang="en-US" sz="3600" dirty="0"/>
+              <a:t>Tableau can automatically map some geocodes (like FIPS) to a map. </a:t>
+            </a:r>
+          </a:p>
+          <a:p>
+            <a:pPr marL="457200" indent="-457200">
+              <a:buFont typeface="Arial" panose="020B0604020202020204" pitchFamily="34" charset="0"/>
+              <a:buChar char="•"/>
+            </a:pPr>
+            <a:r>
+              <a:rPr lang="en-US" sz="3600" dirty="0"/>
+              <a:t>Since geocodes are unique, they are also useful when </a:t>
+            </a:r>
+            <a:r>
+              <a:rPr lang="en-US" sz="3600" b="1" dirty="0"/>
+              <a:t>merging</a:t>
+            </a:r>
+            <a:r>
+              <a:rPr lang="en-US" sz="3600" dirty="0"/>
+              <a:t> datasets. </a:t>
+            </a:r>
+          </a:p>
+        </p:txBody>
+      </p:sp>
+    </p:spTree>
+    <p:extLst>
+      <p:ext uri="{BB962C8B-B14F-4D97-AF65-F5344CB8AC3E}">
+        <p14:creationId xmlns:p14="http://schemas.microsoft.com/office/powerpoint/2010/main" val="1419646107"/>
+      </p:ext>
+    </p:extLst>
+  </p:cSld>
+  <p:clrMapOvr>
+    <a:masterClrMapping/>
+  </p:clrMapOvr>
 </p:sld>
 </file>
 
